--- a/WHUPL_PPT.pptx
+++ b/WHUPL_PPT.pptx
@@ -2575,7 +2575,7 @@
           </a:pPr>
           <a:r>
             <a:rPr lang="en-US" sz="1600" b="1" i="0" dirty="0"/>
-            <a:t>Libraries Used: pandas, sklearn.model_selection, sklearn.preprocessing, NumPy, TensorFlow, nltk, sys</a:t>
+            <a:t>Libraries Used: pandas, sklearn.model_selection, sklearn.preprocessing, NumPy, TensorFlow, nltk, sys, flask</a:t>
           </a:r>
           <a:endParaRPr lang="en-US" sz="1600" dirty="0"/>
         </a:p>
@@ -4883,7 +4883,7 @@
           </a:pPr>
           <a:r>
             <a:rPr lang="en-US" sz="1600" b="1" i="0" kern="1200" dirty="0"/>
-            <a:t>Libraries Used: pandas, sklearn.model_selection, sklearn.preprocessing, NumPy, TensorFlow, nltk, sys</a:t>
+            <a:t>Libraries Used: pandas, sklearn.model_selection, sklearn.preprocessing, NumPy, TensorFlow, nltk, sys, flask</a:t>
           </a:r>
           <a:endParaRPr lang="en-US" sz="1600" kern="1200" dirty="0"/>
         </a:p>
@@ -16969,7 +16969,7 @@
             <p:ph idx="1"/>
             <p:extLst>
               <p:ext uri="{D42A27DB-BD31-4B8C-83A1-F6EECF244321}">
-                <p14:modId xmlns:p14="http://schemas.microsoft.com/office/powerpoint/2010/main" val="1184707341"/>
+                <p14:modId xmlns:p14="http://schemas.microsoft.com/office/powerpoint/2010/main" val="2646807422"/>
               </p:ext>
             </p:extLst>
           </p:nvPr>
@@ -17379,7 +17379,7 @@
       </p:grpSpPr>
       <p:sp useBgFill="1">
         <p:nvSpPr>
-          <p:cNvPr id="27" name="Rectangle 26">
+          <p:cNvPr id="34" name="Rectangle 33">
             <a:extLst>
               <a:ext uri="{FF2B5EF4-FFF2-40B4-BE49-F238E27FC236}">
                 <a16:creationId xmlns:a16="http://schemas.microsoft.com/office/drawing/2014/main" id="{F13C74B1-5B17-4795-BED0-7140497B445A}"/>
@@ -17455,8 +17455,8 @@
         </p:nvSpPr>
         <p:spPr>
           <a:xfrm>
-            <a:off x="105260" y="351500"/>
-            <a:ext cx="5313227" cy="1956841"/>
+            <a:off x="640080" y="325369"/>
+            <a:ext cx="4368602" cy="1956841"/>
           </a:xfrm>
         </p:spPr>
         <p:txBody>
@@ -17471,7 +17471,7 @@
               </a:lnSpc>
             </a:pPr>
             <a:r>
-              <a:rPr lang="en-US" dirty="0"/>
+              <a:rPr lang="en-US" sz="5100" dirty="0"/>
               <a:t>Machine Learning 💻 </a:t>
             </a:r>
           </a:p>
@@ -17479,7 +17479,7 @@
       </p:sp>
       <p:sp>
         <p:nvSpPr>
-          <p:cNvPr id="29" name="Rectangle 6">
+          <p:cNvPr id="36" name="Rectangle 6">
             <a:extLst>
               <a:ext uri="{FF2B5EF4-FFF2-40B4-BE49-F238E27FC236}">
                 <a16:creationId xmlns:a16="http://schemas.microsoft.com/office/drawing/2014/main" id="{3FCFB1DE-0B7E-48CC-BA90-B2AB0889F9D6}"/>
@@ -17814,7 +17814,7 @@
         </p:spPr>
         <p:txBody>
           <a:bodyPr>
-            <a:normAutofit/>
+            <a:normAutofit fontScale="92500" lnSpcReduction="20000"/>
           </a:bodyPr>
           <a:lstStyle/>
           <a:p>
@@ -17824,8 +17824,8 @@
               </a:lnSpc>
             </a:pPr>
             <a:r>
-              <a:rPr lang="en-US" sz="2200" b="1" dirty="0"/>
-              <a:t>Linear Regression</a:t>
+              <a:rPr lang="en-US" sz="2000" b="1" dirty="0"/>
+              <a:t>Retrieve the data</a:t>
             </a:r>
           </a:p>
           <a:p>
@@ -17835,10 +17835,9 @@
               </a:lnSpc>
             </a:pPr>
             <a:r>
-              <a:rPr lang="en-US" sz="2200" b="1" dirty="0" err="1"/>
-              <a:t>KNeighborsRegressor</a:t>
+              <a:rPr lang="en-US" sz="2000" b="1" dirty="0"/>
+              <a:t>Preprocess the data</a:t>
             </a:r>
-            <a:endParaRPr lang="en-US" sz="2200" b="1" dirty="0"/>
           </a:p>
           <a:p>
             <a:pPr>
@@ -17847,10 +17846,9 @@
               </a:lnSpc>
             </a:pPr>
             <a:r>
-              <a:rPr lang="en-US" sz="2200" b="1" dirty="0" err="1"/>
-              <a:t>RandomForestRegressor</a:t>
+              <a:rPr lang="en-US" sz="2000" b="1" dirty="0"/>
+              <a:t>Convert categorical data to numerical data</a:t>
             </a:r>
-            <a:endParaRPr lang="en-US" sz="2200" b="1" dirty="0"/>
           </a:p>
           <a:p>
             <a:pPr>
@@ -17859,10 +17857,9 @@
               </a:lnSpc>
             </a:pPr>
             <a:r>
-              <a:rPr lang="en-US" sz="2200" b="1" dirty="0" err="1"/>
-              <a:t>ExtraTreesRegressor</a:t>
+              <a:rPr lang="en-US" sz="2000" b="1" dirty="0"/>
+              <a:t>Split Data – Train and Test</a:t>
             </a:r>
-            <a:endParaRPr lang="en-US" sz="2200" b="1" dirty="0"/>
           </a:p>
           <a:p>
             <a:pPr>
@@ -17871,10 +17868,9 @@
               </a:lnSpc>
             </a:pPr>
             <a:r>
-              <a:rPr lang="en-US" sz="2200" b="1" dirty="0" err="1"/>
-              <a:t>AdaBoostRegressor</a:t>
+              <a:rPr lang="en-US" sz="2000" b="1" dirty="0"/>
+              <a:t>Scale the data</a:t>
             </a:r>
-            <a:endParaRPr lang="en-US" sz="2200" b="1" dirty="0"/>
           </a:p>
           <a:p>
             <a:pPr>
@@ -17883,8 +17879,51 @@
               </a:lnSpc>
             </a:pPr>
             <a:r>
-              <a:rPr lang="en-US" sz="2200" b="1" dirty="0"/>
-              <a:t>SVR</a:t>
+              <a:rPr lang="en-US" sz="2000" b="1" dirty="0"/>
+              <a:t>Consider the models: Linear Regression, </a:t>
+            </a:r>
+            <a:r>
+              <a:rPr lang="en-US" sz="2000" b="1" dirty="0" err="1"/>
+              <a:t>KNeighborsRegressor</a:t>
+            </a:r>
+            <a:r>
+              <a:rPr lang="en-US" sz="2000" b="1" dirty="0"/>
+              <a:t>, </a:t>
+            </a:r>
+            <a:r>
+              <a:rPr lang="en-US" sz="2000" b="1" dirty="0" err="1"/>
+              <a:t>RandomForestRegressor</a:t>
+            </a:r>
+            <a:r>
+              <a:rPr lang="en-US" sz="2000" b="1" dirty="0"/>
+              <a:t>, </a:t>
+            </a:r>
+            <a:r>
+              <a:rPr lang="en-US" sz="2000" b="1" dirty="0" err="1"/>
+              <a:t>ExtraTreesRegressor</a:t>
+            </a:r>
+            <a:r>
+              <a:rPr lang="en-US" sz="2000" b="1" dirty="0"/>
+              <a:t>, </a:t>
+            </a:r>
+            <a:r>
+              <a:rPr lang="en-US" sz="2000" b="1" dirty="0" err="1"/>
+              <a:t>AdaBoostRegressor</a:t>
+            </a:r>
+            <a:r>
+              <a:rPr lang="en-US" sz="2000" b="1" dirty="0"/>
+              <a:t>, SVR</a:t>
+            </a:r>
+          </a:p>
+          <a:p>
+            <a:pPr>
+              <a:lnSpc>
+                <a:spcPct val="100000"/>
+              </a:lnSpc>
+            </a:pPr>
+            <a:r>
+              <a:rPr lang="en-US" sz="2000" b="1" dirty="0"/>
+              <a:t>Fit the Model</a:t>
             </a:r>
           </a:p>
           <a:p>
@@ -17895,7 +17934,7 @@
               <a:buNone/>
             </a:pPr>
             <a:r>
-              <a:rPr lang="en-US" sz="2200" dirty="0"/>
+              <a:rPr lang="en-US" sz="2000" b="1" dirty="0"/>
               <a:t>And the winner is: __ 🎊</a:t>
             </a:r>
           </a:p>
@@ -18191,6 +18230,12 @@
             <a:r>
               <a:rPr lang="en-US" dirty="0"/>
               <a:t>Added in the Machine Learning bit</a:t>
+            </a:r>
+          </a:p>
+          <a:p>
+            <a:r>
+              <a:rPr lang="en-US" dirty="0"/>
+              <a:t>Deploy the Flask app on Heroku</a:t>
             </a:r>
           </a:p>
         </p:txBody>

--- a/WHUPL_PPT.pptx
+++ b/WHUPL_PPT.pptx
@@ -15742,37 +15742,41 @@
           </a:p>
         </p:txBody>
       </p:sp>
-      <p:sp>
-        <p:nvSpPr>
-          <p:cNvPr id="3" name="Content Placeholder 2">
+      <p:pic>
+        <p:nvPicPr>
+          <p:cNvPr id="6" name="Content Placeholder 5" descr="A picture containing text&#10;&#10;Description automatically generated">
             <a:extLst>
               <a:ext uri="{FF2B5EF4-FFF2-40B4-BE49-F238E27FC236}">
-                <a16:creationId xmlns:a16="http://schemas.microsoft.com/office/drawing/2014/main" id="{3043A4E2-2529-43E5-962F-B77B0045F1E9}"/>
+                <a16:creationId xmlns:a16="http://schemas.microsoft.com/office/drawing/2014/main" id="{1387189E-79A8-474D-9DA4-4075BF97460C}"/>
               </a:ext>
             </a:extLst>
           </p:cNvPr>
-          <p:cNvSpPr>
-            <a:spLocks noGrp="1"/>
-          </p:cNvSpPr>
+          <p:cNvPicPr>
+            <a:picLocks noGrp="1" noChangeAspect="1"/>
+          </p:cNvPicPr>
           <p:nvPr>
             <p:ph idx="1"/>
           </p:nvPr>
-        </p:nvSpPr>
-        <p:spPr/>
-        <p:txBody>
-          <a:bodyPr/>
-          <a:lstStyle/>
-          <a:p>
-            <a:pPr marL="0" indent="0">
-              <a:buNone/>
-            </a:pPr>
-            <a:r>
-              <a:rPr lang="en-US" dirty="0"/>
-              <a:t>-- add in final deployment app ss</a:t>
-            </a:r>
-          </a:p>
-        </p:txBody>
-      </p:sp>
+        </p:nvPicPr>
+        <p:blipFill>
+          <a:blip r:embed="rId2">
+            <a:extLst>
+              <a:ext uri="{28A0092B-C50C-407E-A947-70E740481C1C}">
+                <a14:useLocalDpi xmlns:a14="http://schemas.microsoft.com/office/drawing/2010/main" val="0"/>
+              </a:ext>
+            </a:extLst>
+          </a:blip>
+          <a:stretch>
+            <a:fillRect/>
+          </a:stretch>
+        </p:blipFill>
+        <p:spPr>
+          <a:xfrm>
+            <a:off x="1225563" y="1928813"/>
+            <a:ext cx="9740873" cy="4252912"/>
+          </a:xfrm>
+        </p:spPr>
+      </p:pic>
       <p:sp>
         <p:nvSpPr>
           <p:cNvPr id="4" name="Slide Number Placeholder 3">
@@ -16818,45 +16822,45 @@
         <p:spPr/>
         <p:txBody>
           <a:bodyPr>
-            <a:normAutofit fontScale="92500" lnSpcReduction="20000"/>
+            <a:normAutofit fontScale="70000" lnSpcReduction="20000"/>
           </a:bodyPr>
           <a:lstStyle/>
           <a:p>
             <a:r>
-              <a:rPr lang="en-US"/>
+              <a:rPr lang="en-US" sz="4100" b="1" dirty="0"/>
               <a:t>A consolidated car auction and sales report was released by several used car dealers</a:t>
             </a:r>
           </a:p>
           <a:p>
             <a:r>
-              <a:rPr lang="en-US"/>
+              <a:rPr lang="en-US" sz="4100" b="1" dirty="0"/>
               <a:t>Evaluated 14 car makes: Acura, Audi, BMW, Honda, Hyundai, KIA, Land Rover, Lexus, Lincoln, Maserati, Mercedes, Porsche, Toyota and Volkswagen by their model, color, sale price, condition grade, mileage etc.</a:t>
             </a:r>
           </a:p>
           <a:p>
             <a:r>
-              <a:rPr lang="en-US"/>
+              <a:rPr lang="en-US" sz="4100" b="1" dirty="0"/>
               <a:t>Goal: Deploy a Heroku app that works as a used car recommendation system. A user can enter the vehicle make, model, color, mileage, and price range, and the system will provide pricing predictions based on the relevant parameters..</a:t>
             </a:r>
           </a:p>
           <a:p>
-            <a:endParaRPr lang="en-US"/>
+            <a:endParaRPr lang="en-US" dirty="0"/>
           </a:p>
           <a:p>
-            <a:endParaRPr lang="en-US"/>
+            <a:endParaRPr lang="en-US" dirty="0"/>
           </a:p>
           <a:p>
             <a:pPr marL="0" indent="0">
               <a:buNone/>
             </a:pPr>
-            <a:endParaRPr lang="en-US"/>
+            <a:endParaRPr lang="en-US" dirty="0"/>
           </a:p>
           <a:p>
             <a:pPr marL="0" indent="0" algn="r">
               <a:buNone/>
             </a:pPr>
             <a:r>
-              <a:rPr lang="en-US" sz="1800"/>
+              <a:rPr lang="en-US" sz="1800" dirty="0"/>
               <a:t>Source of Data: Kaggle</a:t>
             </a:r>
           </a:p>
@@ -17099,7 +17103,7 @@
               <a:buNone/>
             </a:pPr>
             <a:r>
-              <a:rPr lang="en-US" dirty="0"/>
+              <a:rPr lang="en-US" b="1" dirty="0"/>
               <a:t>Extracted data from Kaggle using pandas DF</a:t>
             </a:r>
           </a:p>
@@ -17108,7 +17112,7 @@
               <a:buNone/>
             </a:pPr>
             <a:r>
-              <a:rPr lang="en-US" dirty="0"/>
+              <a:rPr lang="en-US" b="1" dirty="0"/>
               <a:t>Cleaned the data using Jupyter Notebook</a:t>
             </a:r>
           </a:p>
@@ -17117,7 +17121,7 @@
               <a:buNone/>
             </a:pPr>
             <a:r>
-              <a:rPr lang="en-US" dirty="0"/>
+              <a:rPr lang="en-US" b="1" dirty="0"/>
               <a:t>Transformed the data on PostgreSQL</a:t>
             </a:r>
           </a:p>
@@ -17126,7 +17130,7 @@
               <a:buNone/>
             </a:pPr>
             <a:r>
-              <a:rPr lang="en-US" dirty="0"/>
+              <a:rPr lang="en-US" b="1" dirty="0"/>
               <a:t>Loaded the data on Tableau</a:t>
             </a:r>
           </a:p>

--- a/WHUPL_PPT.pptx
+++ b/WHUPL_PPT.pptx
@@ -8090,7 +8090,7 @@
           <a:p>
             <a:fld id="{C9AEF99C-AE25-4E92-B25E-4CEBB6672386}" type="datetimeFigureOut">
               <a:rPr lang="en-US" smtClean="0"/>
-              <a:t>3/4/2022</a:t>
+              <a:t>3/5/2022</a:t>
             </a:fld>
             <a:endParaRPr lang="en-US"/>
           </a:p>
@@ -8845,7 +8845,7 @@
           <a:p>
             <a:fld id="{1F72BFDC-AC2C-4AE7-9810-15A447ABE582}" type="datetime1">
               <a:rPr lang="en-US" smtClean="0"/>
-              <a:t>3/4/2022</a:t>
+              <a:t>3/5/2022</a:t>
             </a:fld>
             <a:endParaRPr lang="en-US" dirty="0"/>
           </a:p>
@@ -9043,7 +9043,7 @@
           <a:p>
             <a:fld id="{D2515BE9-66DD-475A-94F0-350432C48B82}" type="datetime1">
               <a:rPr lang="en-US" smtClean="0"/>
-              <a:t>3/4/2022</a:t>
+              <a:t>3/5/2022</a:t>
             </a:fld>
             <a:endParaRPr lang="en-US"/>
           </a:p>
@@ -9251,7 +9251,7 @@
           <a:p>
             <a:fld id="{355E28EB-34AE-49F7-A435-27EE6089448F}" type="datetime1">
               <a:rPr lang="en-US" smtClean="0"/>
-              <a:t>3/4/2022</a:t>
+              <a:t>3/5/2022</a:t>
             </a:fld>
             <a:endParaRPr lang="en-US"/>
           </a:p>
@@ -9473,7 +9473,7 @@
           <a:p>
             <a:fld id="{04E264DA-DF46-4D31-A9D0-FD3313BE5584}" type="datetime1">
               <a:rPr lang="en-US" smtClean="0"/>
-              <a:t>3/4/2022</a:t>
+              <a:t>3/5/2022</a:t>
             </a:fld>
             <a:endParaRPr lang="en-US"/>
           </a:p>
@@ -10384,7 +10384,7 @@
           <a:p>
             <a:fld id="{D6B31AB2-2631-4F59-9F0E-B84D23D82688}" type="datetime1">
               <a:rPr lang="en-US" smtClean="0"/>
-              <a:t>3/4/2022</a:t>
+              <a:t>3/5/2022</a:t>
             </a:fld>
             <a:endParaRPr lang="en-US"/>
           </a:p>
@@ -10987,7 +10987,7 @@
           <a:p>
             <a:fld id="{1C581969-A325-4E35-909C-4E1A0098C615}" type="datetime1">
               <a:rPr lang="en-US" smtClean="0"/>
-              <a:t>3/4/2022</a:t>
+              <a:t>3/5/2022</a:t>
             </a:fld>
             <a:endParaRPr lang="en-US"/>
           </a:p>
@@ -12035,7 +12035,7 @@
           <a:p>
             <a:fld id="{D27F3C2D-6AF3-4D86-82D9-5C070B68E91A}" type="datetime1">
               <a:rPr lang="en-US" smtClean="0"/>
-              <a:t>3/4/2022</a:t>
+              <a:t>3/5/2022</a:t>
             </a:fld>
             <a:endParaRPr lang="en-US"/>
           </a:p>
@@ -12819,7 +12819,7 @@
           <a:p>
             <a:fld id="{D98A6813-7963-43A5-9CF5-39C08DCEDAD2}" type="datetime1">
               <a:rPr lang="en-US" smtClean="0"/>
-              <a:t>3/4/2022</a:t>
+              <a:t>3/5/2022</a:t>
             </a:fld>
             <a:endParaRPr lang="en-US"/>
           </a:p>
@@ -13268,7 +13268,7 @@
           <a:p>
             <a:fld id="{4834E638-AE1C-4FA6-B9BA-37E2FA8C98B9}" type="datetime1">
               <a:rPr lang="en-US" smtClean="0"/>
-              <a:t>3/4/2022</a:t>
+              <a:t>3/5/2022</a:t>
             </a:fld>
             <a:endParaRPr lang="en-US"/>
           </a:p>
@@ -13585,7 +13585,7 @@
           <a:p>
             <a:fld id="{4B5806D0-63DC-4CBD-BF0E-0E80029D23BD}" type="datetime1">
               <a:rPr lang="en-US" smtClean="0"/>
-              <a:t>3/4/2022</a:t>
+              <a:t>3/5/2022</a:t>
             </a:fld>
             <a:endParaRPr lang="en-US"/>
           </a:p>
@@ -14213,7 +14213,7 @@
           <a:p>
             <a:fld id="{50A5E4F2-E0E9-4CB8-B407-3947F7ECBC40}" type="datetime1">
               <a:rPr lang="en-US" smtClean="0"/>
-              <a:t>3/4/2022</a:t>
+              <a:t>3/5/2022</a:t>
             </a:fld>
             <a:endParaRPr lang="en-US"/>
           </a:p>
@@ -14786,7 +14786,7 @@
           <a:p>
             <a:fld id="{DFD0555C-07DF-454A-8205-7D948D392AED}" type="datetime1">
               <a:rPr lang="en-US" smtClean="0"/>
-              <a:t>3/4/2022</a:t>
+              <a:t>3/5/2022</a:t>
             </a:fld>
             <a:endParaRPr lang="en-US" dirty="0"/>
           </a:p>
@@ -17131,7 +17131,7 @@
             </a:pPr>
             <a:r>
               <a:rPr lang="en-US" b="1" dirty="0"/>
-              <a:t>Loaded the data on Tableau</a:t>
+              <a:t>Loaded the data on Tableau, Heroku, PostgreSQL for Flask App</a:t>
             </a:r>
           </a:p>
           <a:p>
@@ -17818,7 +17818,7 @@
         </p:spPr>
         <p:txBody>
           <a:bodyPr>
-            <a:normAutofit fontScale="92500" lnSpcReduction="20000"/>
+            <a:normAutofit fontScale="85000" lnSpcReduction="20000"/>
           </a:bodyPr>
           <a:lstStyle/>
           <a:p>
@@ -17937,9 +17937,30 @@
               </a:lnSpc>
               <a:buNone/>
             </a:pPr>
+            <a:endParaRPr lang="en-US" sz="2000" b="1" dirty="0"/>
+          </a:p>
+          <a:p>
+            <a:pPr marL="0" indent="0">
+              <a:lnSpc>
+                <a:spcPct val="100000"/>
+              </a:lnSpc>
+              <a:buNone/>
+            </a:pPr>
             <a:r>
-              <a:rPr lang="en-US" sz="2000" b="1" dirty="0"/>
-              <a:t>And the winner is: __ 🎊</a:t>
+              <a:rPr lang="en-US" sz="2400" b="1" dirty="0"/>
+              <a:t>And the winner is: </a:t>
+            </a:r>
+            <a:r>
+              <a:rPr lang="en-US" sz="2400" b="1" dirty="0">
+                <a:solidFill>
+                  <a:srgbClr val="FF0000"/>
+                </a:solidFill>
+              </a:rPr>
+              <a:t>SVR</a:t>
+            </a:r>
+            <a:r>
+              <a:rPr lang="en-US" sz="2400" b="1" dirty="0"/>
+              <a:t>🎊</a:t>
             </a:r>
           </a:p>
         </p:txBody>
@@ -18221,19 +18242,28 @@
           <a:p>
             <a:r>
               <a:rPr lang="en-US" dirty="0"/>
-              <a:t>Connected the PostgreSQL DB to the Flask App</a:t>
+              <a:t>Connected the Heroku PostgreSQL DB to the Flask App</a:t>
             </a:r>
           </a:p>
           <a:p>
             <a:r>
               <a:rPr lang="en-US" dirty="0"/>
-              <a:t>Created dropdowns for car make, model, color for deploying on the final webpage</a:t>
+              <a:t>Created cascading dropdown filter menu with JavaScript</a:t>
+            </a:r>
+          </a:p>
+          <a:p>
+            <a:pPr marL="0" indent="0">
+              <a:buNone/>
+            </a:pPr>
+            <a:r>
+              <a:rPr lang="en-US" dirty="0"/>
+              <a:t>	- Used car year, make, model, subseries, color, condition grade and mileage</a:t>
             </a:r>
           </a:p>
           <a:p>
             <a:r>
               <a:rPr lang="en-US" dirty="0"/>
-              <a:t>Added in the Machine Learning bit</a:t>
+              <a:t>Applied Machine Learning to selected values</a:t>
             </a:r>
           </a:p>
           <a:p>
